--- a/Courses/Computer-Modeling-and-IT/Computer-Modeling-and-IT-6-Class/04-OS-and-File-Formats-Exam/Resources/Благоевград_Слайдшоу.pptx
+++ b/Courses/Computer-Modeling-and-IT/Computer-Modeling-and-IT-6-Class/04-OS-and-File-Formats-Exam/Resources/Благоевград_Слайдшоу.pptx
@@ -305,7 +305,7 @@
           <a:p>
             <a:fld id="{4AAD347D-5ACD-4C99-B74B-A9C85AD731AF}" type="datetimeFigureOut">
               <a:rPr lang="en-US" dirty="0"/>
-              <a:t>3/13/2024</a:t>
+              <a:t>8/8/2024</a:t>
             </a:fld>
             <a:endParaRPr lang="en-US" dirty="0"/>
           </a:p>
@@ -575,7 +575,7 @@
           <a:p>
             <a:fld id="{4509A250-FF31-4206-8172-F9D3106AACB1}" type="datetimeFigureOut">
               <a:rPr lang="en-US" dirty="0"/>
-              <a:t>3/13/2024</a:t>
+              <a:t>8/8/2024</a:t>
             </a:fld>
             <a:endParaRPr lang="en-US" dirty="0"/>
           </a:p>
@@ -764,7 +764,7 @@
           <a:p>
             <a:fld id="{4509A250-FF31-4206-8172-F9D3106AACB1}" type="datetimeFigureOut">
               <a:rPr lang="en-US" dirty="0"/>
-              <a:t>3/13/2024</a:t>
+              <a:t>8/8/2024</a:t>
             </a:fld>
             <a:endParaRPr lang="en-US" dirty="0"/>
           </a:p>
@@ -1032,7 +1032,7 @@
           <a:p>
             <a:fld id="{4509A250-FF31-4206-8172-F9D3106AACB1}" type="datetimeFigureOut">
               <a:rPr lang="en-US" dirty="0"/>
-              <a:t>3/13/2024</a:t>
+              <a:t>8/8/2024</a:t>
             </a:fld>
             <a:endParaRPr lang="en-US" dirty="0"/>
           </a:p>
@@ -1368,7 +1368,7 @@
           <a:p>
             <a:fld id="{4509A250-FF31-4206-8172-F9D3106AACB1}" type="datetimeFigureOut">
               <a:rPr lang="en-US" dirty="0"/>
-              <a:t>3/13/2024</a:t>
+              <a:t>8/8/2024</a:t>
             </a:fld>
             <a:endParaRPr lang="en-US" dirty="0"/>
           </a:p>
@@ -1986,7 +1986,7 @@
           <a:p>
             <a:fld id="{4509A250-FF31-4206-8172-F9D3106AACB1}" type="datetimeFigureOut">
               <a:rPr lang="en-US" dirty="0"/>
-              <a:t>3/13/2024</a:t>
+              <a:t>8/8/2024</a:t>
             </a:fld>
             <a:endParaRPr lang="en-US" dirty="0"/>
           </a:p>
@@ -2841,7 +2841,7 @@
           <a:p>
             <a:fld id="{4509A250-FF31-4206-8172-F9D3106AACB1}" type="datetimeFigureOut">
               <a:rPr lang="en-US" dirty="0"/>
-              <a:t>3/13/2024</a:t>
+              <a:t>8/8/2024</a:t>
             </a:fld>
             <a:endParaRPr lang="en-US" dirty="0"/>
           </a:p>
@@ -3006,7 +3006,7 @@
           <a:p>
             <a:fld id="{4509A250-FF31-4206-8172-F9D3106AACB1}" type="datetimeFigureOut">
               <a:rPr lang="en-US" dirty="0"/>
-              <a:t>3/13/2024</a:t>
+              <a:t>8/8/2024</a:t>
             </a:fld>
             <a:endParaRPr lang="en-US" dirty="0"/>
           </a:p>
@@ -3181,7 +3181,7 @@
           <a:p>
             <a:fld id="{4509A250-FF31-4206-8172-F9D3106AACB1}" type="datetimeFigureOut">
               <a:rPr lang="en-US" dirty="0"/>
-              <a:t>3/13/2024</a:t>
+              <a:t>8/8/2024</a:t>
             </a:fld>
             <a:endParaRPr lang="en-US" dirty="0"/>
           </a:p>
@@ -3346,7 +3346,7 @@
           <a:p>
             <a:fld id="{4509A250-FF31-4206-8172-F9D3106AACB1}" type="datetimeFigureOut">
               <a:rPr lang="en-US" dirty="0"/>
-              <a:t>3/13/2024</a:t>
+              <a:t>8/8/2024</a:t>
             </a:fld>
             <a:endParaRPr lang="en-US" dirty="0"/>
           </a:p>
@@ -3588,7 +3588,7 @@
           <a:p>
             <a:fld id="{9796027F-7875-4030-9381-8BD8C4F21935}" type="datetimeFigureOut">
               <a:rPr lang="en-US" dirty="0"/>
-              <a:t>3/13/2024</a:t>
+              <a:t>8/8/2024</a:t>
             </a:fld>
             <a:endParaRPr lang="en-US" dirty="0"/>
           </a:p>
@@ -3875,7 +3875,7 @@
           <a:p>
             <a:fld id="{9796027F-7875-4030-9381-8BD8C4F21935}" type="datetimeFigureOut">
               <a:rPr lang="en-US" dirty="0"/>
-              <a:t>3/13/2024</a:t>
+              <a:t>8/8/2024</a:t>
             </a:fld>
             <a:endParaRPr lang="en-US" dirty="0"/>
           </a:p>
@@ -4314,7 +4314,7 @@
           <a:p>
             <a:fld id="{9796027F-7875-4030-9381-8BD8C4F21935}" type="datetimeFigureOut">
               <a:rPr lang="en-US" dirty="0"/>
-              <a:t>3/13/2024</a:t>
+              <a:t>8/8/2024</a:t>
             </a:fld>
             <a:endParaRPr lang="en-US" dirty="0"/>
           </a:p>
@@ -4427,7 +4427,7 @@
           <a:p>
             <a:fld id="{4509A250-FF31-4206-8172-F9D3106AACB1}" type="datetimeFigureOut">
               <a:rPr lang="en-US" dirty="0"/>
-              <a:t>3/13/2024</a:t>
+              <a:t>8/8/2024</a:t>
             </a:fld>
             <a:endParaRPr lang="en-US" dirty="0"/>
           </a:p>
@@ -4517,7 +4517,7 @@
           <a:p>
             <a:fld id="{4509A250-FF31-4206-8172-F9D3106AACB1}" type="datetimeFigureOut">
               <a:rPr lang="en-US" dirty="0"/>
-              <a:t>3/13/2024</a:t>
+              <a:t>8/8/2024</a:t>
             </a:fld>
             <a:endParaRPr lang="en-US" dirty="0"/>
           </a:p>
@@ -4791,7 +4791,7 @@
           <a:p>
             <a:fld id="{4509A250-FF31-4206-8172-F9D3106AACB1}" type="datetimeFigureOut">
               <a:rPr lang="en-US" dirty="0"/>
-              <a:t>3/13/2024</a:t>
+              <a:t>8/8/2024</a:t>
             </a:fld>
             <a:endParaRPr lang="en-US" dirty="0"/>
           </a:p>
@@ -5061,7 +5061,7 @@
           <a:p>
             <a:fld id="{4509A250-FF31-4206-8172-F9D3106AACB1}" type="datetimeFigureOut">
               <a:rPr lang="en-US" dirty="0"/>
-              <a:t>3/13/2024</a:t>
+              <a:t>8/8/2024</a:t>
             </a:fld>
             <a:endParaRPr lang="en-US" dirty="0"/>
           </a:p>
@@ -5485,7 +5485,7 @@
           <a:p>
             <a:fld id="{4AAD347D-5ACD-4C99-B74B-A9C85AD731AF}" type="datetimeFigureOut">
               <a:rPr lang="en-US" dirty="0"/>
-              <a:t>3/13/2024</a:t>
+              <a:t>8/8/2024</a:t>
             </a:fld>
             <a:endParaRPr lang="en-US" dirty="0"/>
           </a:p>
@@ -6901,36 +6901,6 @@
           </a:p>
         </p:txBody>
       </p:sp>
-      <p:sp>
-        <p:nvSpPr>
-          <p:cNvPr id="3" name="Content Placeholder 2"/>
-          <p:cNvSpPr>
-            <a:spLocks noGrp="1"/>
-          </p:cNvSpPr>
-          <p:nvPr>
-            <p:ph idx="1"/>
-          </p:nvPr>
-        </p:nvSpPr>
-        <p:spPr>
-          <a:xfrm>
-            <a:off x="646111" y="1295037"/>
-            <a:ext cx="8946541" cy="344293"/>
-          </a:xfrm>
-        </p:spPr>
-        <p:txBody>
-          <a:bodyPr>
-            <a:normAutofit fontScale="92500" lnSpcReduction="20000"/>
-          </a:bodyPr>
-          <a:lstStyle/>
-          <a:p>
-            <a:r>
-              <a:rPr lang="bg-BG" dirty="0" smtClean="0"/>
-              <a:t>От: Константин Заралиев</a:t>
-            </a:r>
-            <a:endParaRPr lang="bg-BG" dirty="0"/>
-          </a:p>
-        </p:txBody>
-      </p:sp>
       <p:pic>
         <p:nvPicPr>
           <p:cNvPr id="4" name="Picture 3"/>
